--- a/PPT/JavaToNet/CustomRenderer.30mins.pptx
+++ b/PPT/JavaToNet/CustomRenderer.30mins.pptx
@@ -275,7 +275,7 @@
           <a:p>
             <a:fld id="{831B8074-9D9C-4F74-8538-4B0EE50AAD7C}" type="datetimeFigureOut">
               <a:rPr lang="en-PH" smtClean="0"/>
-              <a:t>7/24/2019</a:t>
+              <a:t>24/07/2019</a:t>
             </a:fld>
             <a:endParaRPr lang="en-PH"/>
           </a:p>
@@ -475,7 +475,7 @@
           <a:p>
             <a:fld id="{831B8074-9D9C-4F74-8538-4B0EE50AAD7C}" type="datetimeFigureOut">
               <a:rPr lang="en-PH" smtClean="0"/>
-              <a:t>7/24/2019</a:t>
+              <a:t>24/07/2019</a:t>
             </a:fld>
             <a:endParaRPr lang="en-PH"/>
           </a:p>
@@ -685,7 +685,7 @@
           <a:p>
             <a:fld id="{831B8074-9D9C-4F74-8538-4B0EE50AAD7C}" type="datetimeFigureOut">
               <a:rPr lang="en-PH" smtClean="0"/>
-              <a:t>7/24/2019</a:t>
+              <a:t>24/07/2019</a:t>
             </a:fld>
             <a:endParaRPr lang="en-PH"/>
           </a:p>
@@ -885,7 +885,7 @@
           <a:p>
             <a:fld id="{831B8074-9D9C-4F74-8538-4B0EE50AAD7C}" type="datetimeFigureOut">
               <a:rPr lang="en-PH" smtClean="0"/>
-              <a:t>7/24/2019</a:t>
+              <a:t>24/07/2019</a:t>
             </a:fld>
             <a:endParaRPr lang="en-PH"/>
           </a:p>
@@ -1161,7 +1161,7 @@
           <a:p>
             <a:fld id="{831B8074-9D9C-4F74-8538-4B0EE50AAD7C}" type="datetimeFigureOut">
               <a:rPr lang="en-PH" smtClean="0"/>
-              <a:t>7/24/2019</a:t>
+              <a:t>24/07/2019</a:t>
             </a:fld>
             <a:endParaRPr lang="en-PH"/>
           </a:p>
@@ -1429,7 +1429,7 @@
           <a:p>
             <a:fld id="{831B8074-9D9C-4F74-8538-4B0EE50AAD7C}" type="datetimeFigureOut">
               <a:rPr lang="en-PH" smtClean="0"/>
-              <a:t>7/24/2019</a:t>
+              <a:t>24/07/2019</a:t>
             </a:fld>
             <a:endParaRPr lang="en-PH"/>
           </a:p>
@@ -1844,7 +1844,7 @@
           <a:p>
             <a:fld id="{831B8074-9D9C-4F74-8538-4B0EE50AAD7C}" type="datetimeFigureOut">
               <a:rPr lang="en-PH" smtClean="0"/>
-              <a:t>7/24/2019</a:t>
+              <a:t>24/07/2019</a:t>
             </a:fld>
             <a:endParaRPr lang="en-PH"/>
           </a:p>
@@ -1986,7 +1986,7 @@
           <a:p>
             <a:fld id="{831B8074-9D9C-4F74-8538-4B0EE50AAD7C}" type="datetimeFigureOut">
               <a:rPr lang="en-PH" smtClean="0"/>
-              <a:t>7/24/2019</a:t>
+              <a:t>24/07/2019</a:t>
             </a:fld>
             <a:endParaRPr lang="en-PH"/>
           </a:p>
@@ -2099,7 +2099,7 @@
           <a:p>
             <a:fld id="{831B8074-9D9C-4F74-8538-4B0EE50AAD7C}" type="datetimeFigureOut">
               <a:rPr lang="en-PH" smtClean="0"/>
-              <a:t>7/24/2019</a:t>
+              <a:t>24/07/2019</a:t>
             </a:fld>
             <a:endParaRPr lang="en-PH"/>
           </a:p>
@@ -2412,7 +2412,7 @@
           <a:p>
             <a:fld id="{831B8074-9D9C-4F74-8538-4B0EE50AAD7C}" type="datetimeFigureOut">
               <a:rPr lang="en-PH" smtClean="0"/>
-              <a:t>7/24/2019</a:t>
+              <a:t>24/07/2019</a:t>
             </a:fld>
             <a:endParaRPr lang="en-PH"/>
           </a:p>
@@ -2701,7 +2701,7 @@
           <a:p>
             <a:fld id="{831B8074-9D9C-4F74-8538-4B0EE50AAD7C}" type="datetimeFigureOut">
               <a:rPr lang="en-PH" smtClean="0"/>
-              <a:t>7/24/2019</a:t>
+              <a:t>24/07/2019</a:t>
             </a:fld>
             <a:endParaRPr lang="en-PH"/>
           </a:p>
@@ -2944,7 +2944,7 @@
           <a:p>
             <a:fld id="{831B8074-9D9C-4F74-8538-4B0EE50AAD7C}" type="datetimeFigureOut">
               <a:rPr lang="en-PH" smtClean="0"/>
-              <a:t>7/24/2019</a:t>
+              <a:t>24/07/2019</a:t>
             </a:fld>
             <a:endParaRPr lang="en-PH"/>
           </a:p>
@@ -3455,70 +3455,6 @@
           </a:prstGeom>
         </p:spPr>
       </p:pic>
-      <p:sp>
-        <p:nvSpPr>
-          <p:cNvPr id="5" name="TextBox 4">
-            <a:hlinkClick r:id="rId4"/>
-            <a:extLst>
-              <a:ext uri="{FF2B5EF4-FFF2-40B4-BE49-F238E27FC236}">
-                <a16:creationId xmlns:a16="http://schemas.microsoft.com/office/drawing/2014/main" id="{A846094B-32B6-4D1A-B84E-3A7F99E707DE}"/>
-              </a:ext>
-            </a:extLst>
-          </p:cNvPr>
-          <p:cNvSpPr txBox="1"/>
-          <p:nvPr/>
-        </p:nvSpPr>
-        <p:spPr>
-          <a:xfrm>
-            <a:off x="716335" y="3172777"/>
-            <a:ext cx="6976175" cy="830997"/>
-          </a:xfrm>
-          <a:prstGeom prst="rect">
-            <a:avLst/>
-          </a:prstGeom>
-          <a:noFill/>
-        </p:spPr>
-        <p:txBody>
-          <a:bodyPr wrap="square" rtlCol="0">
-            <a:spAutoFit/>
-          </a:bodyPr>
-          <a:lstStyle/>
-          <a:p>
-            <a:r>
-              <a:rPr lang="en-PH" sz="2400" dirty="0"/>
-              <a:t>Reynaldo </a:t>
-            </a:r>
-            <a:r>
-              <a:rPr lang="en-PH" sz="2400" dirty="0" err="1"/>
-              <a:t>Monares</a:t>
-            </a:r>
-            <a:endParaRPr lang="en-PH" sz="2400" dirty="0"/>
-          </a:p>
-          <a:p>
-            <a:r>
-              <a:rPr lang="en-PH" sz="2400" dirty="0"/>
-              <a:t>Jr. Mobile App Developer</a:t>
-            </a:r>
-            <a:r>
-              <a:rPr lang="en-PH" sz="2400" dirty="0">
-                <a:solidFill>
-                  <a:srgbClr val="FFFF66"/>
-                </a:solidFill>
-              </a:rPr>
-              <a:t> </a:t>
-            </a:r>
-            <a:r>
-              <a:rPr lang="en-PH" sz="2400" dirty="0"/>
-              <a:t>at </a:t>
-            </a:r>
-            <a:r>
-              <a:rPr lang="en-PH" sz="2400" dirty="0" err="1"/>
-              <a:t>Tianggee</a:t>
-            </a:r>
-            <a:endParaRPr lang="en-US" sz="2400" dirty="0"/>
-          </a:p>
-        </p:txBody>
-      </p:sp>
       <p:cxnSp>
         <p:nvCxnSpPr>
           <p:cNvPr id="7" name="Straight Connector 6">
@@ -3560,6 +3496,104 @@
           </a:fontRef>
         </p:style>
       </p:cxnSp>
+      <p:sp>
+        <p:nvSpPr>
+          <p:cNvPr id="6" name="TextBox 5">
+            <a:hlinkClick r:id="rId4"/>
+            <a:extLst>
+              <a:ext uri="{FF2B5EF4-FFF2-40B4-BE49-F238E27FC236}">
+                <a16:creationId xmlns:a16="http://schemas.microsoft.com/office/drawing/2014/main" id="{04CAAD7C-7FD6-4D95-9F02-D1DAD3840C37}"/>
+              </a:ext>
+            </a:extLst>
+          </p:cNvPr>
+          <p:cNvSpPr txBox="1"/>
+          <p:nvPr/>
+        </p:nvSpPr>
+        <p:spPr>
+          <a:xfrm>
+            <a:off x="716335" y="3429000"/>
+            <a:ext cx="7494215" cy="1938992"/>
+          </a:xfrm>
+          <a:prstGeom prst="rect">
+            <a:avLst/>
+          </a:prstGeom>
+          <a:noFill/>
+        </p:spPr>
+        <p:txBody>
+          <a:bodyPr wrap="square" rtlCol="0">
+            <a:spAutoFit/>
+          </a:bodyPr>
+          <a:lstStyle/>
+          <a:p>
+            <a:r>
+              <a:rPr lang="en-PH" sz="2400" dirty="0"/>
+              <a:t>Chito Salano</a:t>
+            </a:r>
+          </a:p>
+          <a:p>
+            <a:r>
+              <a:rPr lang="en-PH" sz="2400" dirty="0"/>
+              <a:t>CEO/CTO of </a:t>
+            </a:r>
+            <a:r>
+              <a:rPr lang="en-PH" sz="2400" dirty="0" err="1"/>
+              <a:t>Tianggee</a:t>
+            </a:r>
+            <a:r>
+              <a:rPr lang="en-PH" sz="2400" dirty="0"/>
+              <a:t> App, </a:t>
+            </a:r>
+            <a:r>
+              <a:rPr lang="en-PH" sz="2400" dirty="0" err="1"/>
+              <a:t>Pangga</a:t>
+            </a:r>
+            <a:r>
+              <a:rPr lang="en-PH" sz="2400" dirty="0"/>
+              <a:t> Tech</a:t>
+            </a:r>
+          </a:p>
+          <a:p>
+            <a:r>
+              <a:rPr lang="en-PH" sz="2400" dirty="0"/>
+              <a:t>Follow me:</a:t>
+            </a:r>
+          </a:p>
+          <a:p>
+            <a:r>
+              <a:rPr lang="en-PH" sz="2400" dirty="0"/>
+              <a:t>Twitter @</a:t>
+            </a:r>
+            <a:r>
+              <a:rPr lang="en-PH" sz="2400" dirty="0" err="1"/>
+              <a:t>ChitoSalano</a:t>
+            </a:r>
+            <a:endParaRPr lang="en-PH" sz="2400" dirty="0"/>
+          </a:p>
+          <a:p>
+            <a:r>
+              <a:rPr lang="en-PH" sz="2400" dirty="0" err="1"/>
+              <a:t>Linkedin</a:t>
+            </a:r>
+            <a:r>
+              <a:rPr lang="en-PH" sz="2400" dirty="0"/>
+              <a:t> </a:t>
+            </a:r>
+            <a:r>
+              <a:rPr lang="en-PH" sz="2400" dirty="0">
+                <a:hlinkClick r:id="rId5">
+                  <a:extLst>
+                    <a:ext uri="{A12FA001-AC4F-418D-AE19-62706E023703}">
+                      <ahyp:hlinkClr xmlns:ahyp="http://schemas.microsoft.com/office/drawing/2018/hyperlinkcolor" val="tx"/>
+                    </a:ext>
+                  </a:extLst>
+                </a:hlinkClick>
+              </a:rPr>
+              <a:t>https://www.linkedin.com/in/alfonchitosalano/</a:t>
+            </a:r>
+            <a:endParaRPr lang="en-US" sz="2400" dirty="0"/>
+          </a:p>
+        </p:txBody>
+      </p:sp>
     </p:spTree>
     <p:extLst>
       <p:ext uri="{BB962C8B-B14F-4D97-AF65-F5344CB8AC3E}">
@@ -4188,7 +4222,7 @@
               <a:rPr lang="en-PH" dirty="0">
                 <a:hlinkClick r:id="rId3"/>
               </a:rPr>
-              <a:t>https://github.com/reynzdev/Xamarin.CustomRenderer.Demo</a:t>
+              <a:t>https://github.com/HopePH/Playground/tree/master/Rey</a:t>
             </a:r>
             <a:endParaRPr lang="en-PH" dirty="0"/>
           </a:p>
